--- a/01. Documentación/4. Ante Proyecto/Imagenes/KDD/kdd.pptx
+++ b/01. Documentación/4. Ante Proyecto/Imagenes/KDD/kdd.pptx
@@ -4,6 +4,9 @@
   <p:sldMasterIdLst>
     <p:sldMasterId id="2147483648" r:id="rId1"/>
   </p:sldMasterIdLst>
+  <p:notesMasterIdLst>
+    <p:notesMasterId r:id="rId3"/>
+  </p:notesMasterIdLst>
   <p:sldIdLst>
     <p:sldId id="256" r:id="rId2"/>
   </p:sldIdLst>
@@ -110,6 +113,356 @@
     </p:ext>
   </p:extLst>
 </p:presentation>
+</file>
+
+<file path=ppt/notesMasters/notesMaster1.xml><?xml version="1.0" encoding="utf-8"?>
+<p:notesMaster xmlns:a="http://schemas.openxmlformats.org/drawingml/2006/main" xmlns:r="http://schemas.openxmlformats.org/officeDocument/2006/relationships" xmlns:p="http://schemas.openxmlformats.org/presentationml/2006/main">
+  <p:cSld>
+    <p:bg>
+      <p:bgRef idx="1001">
+        <a:schemeClr val="bg1"/>
+      </p:bgRef>
+    </p:bg>
+    <p:spTree>
+      <p:nvGrpSpPr>
+        <p:cNvPr id="1" name=""/>
+        <p:cNvGrpSpPr/>
+        <p:nvPr/>
+      </p:nvGrpSpPr>
+      <p:grpSpPr>
+        <a:xfrm>
+          <a:off x="0" y="0"/>
+          <a:ext cx="0" cy="0"/>
+          <a:chOff x="0" y="0"/>
+          <a:chExt cx="0" cy="0"/>
+        </a:xfrm>
+      </p:grpSpPr>
+      <p:sp>
+        <p:nvSpPr>
+          <p:cNvPr id="2" name="Marcador de encabezado 1"/>
+          <p:cNvSpPr>
+            <a:spLocks noGrp="1"/>
+          </p:cNvSpPr>
+          <p:nvPr>
+            <p:ph type="hdr" sz="quarter"/>
+          </p:nvPr>
+        </p:nvSpPr>
+        <p:spPr>
+          <a:xfrm>
+            <a:off x="0" y="0"/>
+            <a:ext cx="2971800" cy="458788"/>
+          </a:xfrm>
+          <a:prstGeom prst="rect">
+            <a:avLst/>
+          </a:prstGeom>
+        </p:spPr>
+        <p:txBody>
+          <a:bodyPr vert="horz" lIns="91440" tIns="45720" rIns="91440" bIns="45720" rtlCol="0"/>
+          <a:lstStyle>
+            <a:lvl1pPr algn="l">
+              <a:defRPr sz="1200"/>
+            </a:lvl1pPr>
+          </a:lstStyle>
+          <a:p>
+            <a:endParaRPr lang="es-CO"/>
+          </a:p>
+        </p:txBody>
+      </p:sp>
+      <p:sp>
+        <p:nvSpPr>
+          <p:cNvPr id="3" name="Marcador de fecha 2"/>
+          <p:cNvSpPr>
+            <a:spLocks noGrp="1"/>
+          </p:cNvSpPr>
+          <p:nvPr>
+            <p:ph type="dt" idx="1"/>
+          </p:nvPr>
+        </p:nvSpPr>
+        <p:spPr>
+          <a:xfrm>
+            <a:off x="3884613" y="0"/>
+            <a:ext cx="2971800" cy="458788"/>
+          </a:xfrm>
+          <a:prstGeom prst="rect">
+            <a:avLst/>
+          </a:prstGeom>
+        </p:spPr>
+        <p:txBody>
+          <a:bodyPr vert="horz" lIns="91440" tIns="45720" rIns="91440" bIns="45720" rtlCol="0"/>
+          <a:lstStyle>
+            <a:lvl1pPr algn="r">
+              <a:defRPr sz="1200"/>
+            </a:lvl1pPr>
+          </a:lstStyle>
+          <a:p>
+            <a:fld id="{4DC730CB-7441-44EE-9088-FB903571B511}" type="datetimeFigureOut">
+              <a:rPr lang="es-CO" smtClean="0"/>
+              <a:t>24/04/2022</a:t>
+            </a:fld>
+            <a:endParaRPr lang="es-CO"/>
+          </a:p>
+        </p:txBody>
+      </p:sp>
+      <p:sp>
+        <p:nvSpPr>
+          <p:cNvPr id="4" name="Marcador de imagen de diapositiva 3"/>
+          <p:cNvSpPr>
+            <a:spLocks noGrp="1" noRot="1" noChangeAspect="1"/>
+          </p:cNvSpPr>
+          <p:nvPr>
+            <p:ph type="sldImg" idx="2"/>
+          </p:nvPr>
+        </p:nvSpPr>
+        <p:spPr>
+          <a:xfrm>
+            <a:off x="685800" y="1143000"/>
+            <a:ext cx="5486400" cy="3086100"/>
+          </a:xfrm>
+          <a:prstGeom prst="rect">
+            <a:avLst/>
+          </a:prstGeom>
+          <a:noFill/>
+          <a:ln w="12700">
+            <a:solidFill>
+              <a:prstClr val="black"/>
+            </a:solidFill>
+          </a:ln>
+        </p:spPr>
+        <p:txBody>
+          <a:bodyPr vert="horz" lIns="91440" tIns="45720" rIns="91440" bIns="45720" rtlCol="0" anchor="ctr"/>
+          <a:lstStyle/>
+          <a:p>
+            <a:endParaRPr lang="es-CO"/>
+          </a:p>
+        </p:txBody>
+      </p:sp>
+      <p:sp>
+        <p:nvSpPr>
+          <p:cNvPr id="5" name="Marcador de notas 4"/>
+          <p:cNvSpPr>
+            <a:spLocks noGrp="1"/>
+          </p:cNvSpPr>
+          <p:nvPr>
+            <p:ph type="body" sz="quarter" idx="3"/>
+          </p:nvPr>
+        </p:nvSpPr>
+        <p:spPr>
+          <a:xfrm>
+            <a:off x="685800" y="4400550"/>
+            <a:ext cx="5486400" cy="3600450"/>
+          </a:xfrm>
+          <a:prstGeom prst="rect">
+            <a:avLst/>
+          </a:prstGeom>
+        </p:spPr>
+        <p:txBody>
+          <a:bodyPr vert="horz" lIns="91440" tIns="45720" rIns="91440" bIns="45720" rtlCol="0"/>
+          <a:lstStyle/>
+          <a:p>
+            <a:pPr lvl="0"/>
+            <a:r>
+              <a:rPr lang="es-ES"/>
+              <a:t>Haga clic para modificar los estilos de texto del patrón</a:t>
+            </a:r>
+          </a:p>
+          <a:p>
+            <a:pPr lvl="1"/>
+            <a:r>
+              <a:rPr lang="es-ES"/>
+              <a:t>Segundo nivel</a:t>
+            </a:r>
+          </a:p>
+          <a:p>
+            <a:pPr lvl="2"/>
+            <a:r>
+              <a:rPr lang="es-ES"/>
+              <a:t>Tercer nivel</a:t>
+            </a:r>
+          </a:p>
+          <a:p>
+            <a:pPr lvl="3"/>
+            <a:r>
+              <a:rPr lang="es-ES"/>
+              <a:t>Cuarto nivel</a:t>
+            </a:r>
+          </a:p>
+          <a:p>
+            <a:pPr lvl="4"/>
+            <a:r>
+              <a:rPr lang="es-ES"/>
+              <a:t>Quinto nivel</a:t>
+            </a:r>
+            <a:endParaRPr lang="es-CO"/>
+          </a:p>
+        </p:txBody>
+      </p:sp>
+      <p:sp>
+        <p:nvSpPr>
+          <p:cNvPr id="6" name="Marcador de pie de página 5"/>
+          <p:cNvSpPr>
+            <a:spLocks noGrp="1"/>
+          </p:cNvSpPr>
+          <p:nvPr>
+            <p:ph type="ftr" sz="quarter" idx="4"/>
+          </p:nvPr>
+        </p:nvSpPr>
+        <p:spPr>
+          <a:xfrm>
+            <a:off x="0" y="8685213"/>
+            <a:ext cx="2971800" cy="458787"/>
+          </a:xfrm>
+          <a:prstGeom prst="rect">
+            <a:avLst/>
+          </a:prstGeom>
+        </p:spPr>
+        <p:txBody>
+          <a:bodyPr vert="horz" lIns="91440" tIns="45720" rIns="91440" bIns="45720" rtlCol="0" anchor="b"/>
+          <a:lstStyle>
+            <a:lvl1pPr algn="l">
+              <a:defRPr sz="1200"/>
+            </a:lvl1pPr>
+          </a:lstStyle>
+          <a:p>
+            <a:endParaRPr lang="es-CO"/>
+          </a:p>
+        </p:txBody>
+      </p:sp>
+      <p:sp>
+        <p:nvSpPr>
+          <p:cNvPr id="7" name="Marcador de número de diapositiva 6"/>
+          <p:cNvSpPr>
+            <a:spLocks noGrp="1"/>
+          </p:cNvSpPr>
+          <p:nvPr>
+            <p:ph type="sldNum" sz="quarter" idx="5"/>
+          </p:nvPr>
+        </p:nvSpPr>
+        <p:spPr>
+          <a:xfrm>
+            <a:off x="3884613" y="8685213"/>
+            <a:ext cx="2971800" cy="458787"/>
+          </a:xfrm>
+          <a:prstGeom prst="rect">
+            <a:avLst/>
+          </a:prstGeom>
+        </p:spPr>
+        <p:txBody>
+          <a:bodyPr vert="horz" lIns="91440" tIns="45720" rIns="91440" bIns="45720" rtlCol="0" anchor="b"/>
+          <a:lstStyle>
+            <a:lvl1pPr algn="r">
+              <a:defRPr sz="1200"/>
+            </a:lvl1pPr>
+          </a:lstStyle>
+          <a:p>
+            <a:fld id="{5DA44FE7-1905-41CC-9602-AEA483D2B9D5}" type="slidenum">
+              <a:rPr lang="es-CO" smtClean="0"/>
+              <a:t>‹Nº›</a:t>
+            </a:fld>
+            <a:endParaRPr lang="es-CO"/>
+          </a:p>
+        </p:txBody>
+      </p:sp>
+    </p:spTree>
+    <p:extLst>
+      <p:ext uri="{BB962C8B-B14F-4D97-AF65-F5344CB8AC3E}">
+        <p14:creationId xmlns:p14="http://schemas.microsoft.com/office/powerpoint/2010/main" val="3087592032"/>
+      </p:ext>
+    </p:extLst>
+  </p:cSld>
+  <p:clrMap bg1="lt1" tx1="dk1" bg2="lt2" tx2="dk2" accent1="accent1" accent2="accent2" accent3="accent3" accent4="accent4" accent5="accent5" accent6="accent6" hlink="hlink" folHlink="folHlink"/>
+  <p:notesStyle>
+    <a:lvl1pPr marL="0" algn="l" defTabSz="914400" rtl="0" eaLnBrk="1" latinLnBrk="0" hangingPunct="1">
+      <a:defRPr sz="1200" kern="1200">
+        <a:solidFill>
+          <a:schemeClr val="tx1"/>
+        </a:solidFill>
+        <a:latin typeface="+mn-lt"/>
+        <a:ea typeface="+mn-ea"/>
+        <a:cs typeface="+mn-cs"/>
+      </a:defRPr>
+    </a:lvl1pPr>
+    <a:lvl2pPr marL="457200" algn="l" defTabSz="914400" rtl="0" eaLnBrk="1" latinLnBrk="0" hangingPunct="1">
+      <a:defRPr sz="1200" kern="1200">
+        <a:solidFill>
+          <a:schemeClr val="tx1"/>
+        </a:solidFill>
+        <a:latin typeface="+mn-lt"/>
+        <a:ea typeface="+mn-ea"/>
+        <a:cs typeface="+mn-cs"/>
+      </a:defRPr>
+    </a:lvl2pPr>
+    <a:lvl3pPr marL="914400" algn="l" defTabSz="914400" rtl="0" eaLnBrk="1" latinLnBrk="0" hangingPunct="1">
+      <a:defRPr sz="1200" kern="1200">
+        <a:solidFill>
+          <a:schemeClr val="tx1"/>
+        </a:solidFill>
+        <a:latin typeface="+mn-lt"/>
+        <a:ea typeface="+mn-ea"/>
+        <a:cs typeface="+mn-cs"/>
+      </a:defRPr>
+    </a:lvl3pPr>
+    <a:lvl4pPr marL="1371600" algn="l" defTabSz="914400" rtl="0" eaLnBrk="1" latinLnBrk="0" hangingPunct="1">
+      <a:defRPr sz="1200" kern="1200">
+        <a:solidFill>
+          <a:schemeClr val="tx1"/>
+        </a:solidFill>
+        <a:latin typeface="+mn-lt"/>
+        <a:ea typeface="+mn-ea"/>
+        <a:cs typeface="+mn-cs"/>
+      </a:defRPr>
+    </a:lvl4pPr>
+    <a:lvl5pPr marL="1828800" algn="l" defTabSz="914400" rtl="0" eaLnBrk="1" latinLnBrk="0" hangingPunct="1">
+      <a:defRPr sz="1200" kern="1200">
+        <a:solidFill>
+          <a:schemeClr val="tx1"/>
+        </a:solidFill>
+        <a:latin typeface="+mn-lt"/>
+        <a:ea typeface="+mn-ea"/>
+        <a:cs typeface="+mn-cs"/>
+      </a:defRPr>
+    </a:lvl5pPr>
+    <a:lvl6pPr marL="2286000" algn="l" defTabSz="914400" rtl="0" eaLnBrk="1" latinLnBrk="0" hangingPunct="1">
+      <a:defRPr sz="1200" kern="1200">
+        <a:solidFill>
+          <a:schemeClr val="tx1"/>
+        </a:solidFill>
+        <a:latin typeface="+mn-lt"/>
+        <a:ea typeface="+mn-ea"/>
+        <a:cs typeface="+mn-cs"/>
+      </a:defRPr>
+    </a:lvl6pPr>
+    <a:lvl7pPr marL="2743200" algn="l" defTabSz="914400" rtl="0" eaLnBrk="1" latinLnBrk="0" hangingPunct="1">
+      <a:defRPr sz="1200" kern="1200">
+        <a:solidFill>
+          <a:schemeClr val="tx1"/>
+        </a:solidFill>
+        <a:latin typeface="+mn-lt"/>
+        <a:ea typeface="+mn-ea"/>
+        <a:cs typeface="+mn-cs"/>
+      </a:defRPr>
+    </a:lvl7pPr>
+    <a:lvl8pPr marL="3200400" algn="l" defTabSz="914400" rtl="0" eaLnBrk="1" latinLnBrk="0" hangingPunct="1">
+      <a:defRPr sz="1200" kern="1200">
+        <a:solidFill>
+          <a:schemeClr val="tx1"/>
+        </a:solidFill>
+        <a:latin typeface="+mn-lt"/>
+        <a:ea typeface="+mn-ea"/>
+        <a:cs typeface="+mn-cs"/>
+      </a:defRPr>
+    </a:lvl8pPr>
+    <a:lvl9pPr marL="3657600" algn="l" defTabSz="914400" rtl="0" eaLnBrk="1" latinLnBrk="0" hangingPunct="1">
+      <a:defRPr sz="1200" kern="1200">
+        <a:solidFill>
+          <a:schemeClr val="tx1"/>
+        </a:solidFill>
+        <a:latin typeface="+mn-lt"/>
+        <a:ea typeface="+mn-ea"/>
+        <a:cs typeface="+mn-cs"/>
+      </a:defRPr>
+    </a:lvl9pPr>
+  </p:notesStyle>
+</p:notesMaster>
 </file>
 
 <file path=ppt/slideLayouts/slideLayout1.xml><?xml version="1.0" encoding="utf-8"?>
@@ -3349,10 +3702,10 @@
       </p:grpSpPr>
       <p:pic>
         <p:nvPicPr>
-          <p:cNvPr id="7" name="Imagen 6">
-            <a:extLst>
-              <a:ext uri="{FF2B5EF4-FFF2-40B4-BE49-F238E27FC236}">
-                <a16:creationId xmlns:a16="http://schemas.microsoft.com/office/drawing/2014/main" id="{9FEEEC9D-DA02-4EFC-8FB4-666FF19DA52A}"/>
+          <p:cNvPr id="4" name="Imagen 3">
+            <a:extLst>
+              <a:ext uri="{FF2B5EF4-FFF2-40B4-BE49-F238E27FC236}">
+                <a16:creationId xmlns:a16="http://schemas.microsoft.com/office/drawing/2014/main" id="{D02DAE2E-2E69-48F5-9C13-2062D910818E}"/>
               </a:ext>
             </a:extLst>
           </p:cNvPr>
@@ -3369,8 +3722,8 @@
         </p:blipFill>
         <p:spPr>
           <a:xfrm>
-            <a:off x="66675" y="1"/>
-            <a:ext cx="12125325" cy="6857999"/>
+            <a:off x="8717" y="10705"/>
+            <a:ext cx="12174565" cy="6858000"/>
           </a:xfrm>
           <a:prstGeom prst="rect">
             <a:avLst/>
@@ -3379,194 +3732,52 @@
       </p:pic>
       <p:cxnSp>
         <p:nvCxnSpPr>
-          <p:cNvPr id="47" name="Conector recto 46">
-            <a:extLst>
-              <a:ext uri="{FF2B5EF4-FFF2-40B4-BE49-F238E27FC236}">
-                <a16:creationId xmlns:a16="http://schemas.microsoft.com/office/drawing/2014/main" id="{FBCEC594-535C-4D2A-8907-2FA6DE00D943}"/>
+          <p:cNvPr id="63" name="Conector recto 62">
+            <a:extLst>
+              <a:ext uri="{FF2B5EF4-FFF2-40B4-BE49-F238E27FC236}">
+                <a16:creationId xmlns:a16="http://schemas.microsoft.com/office/drawing/2014/main" id="{3200BA5B-BF90-49CB-BAF7-A1B10FDF748C}"/>
               </a:ext>
             </a:extLst>
           </p:cNvPr>
           <p:cNvCxnSpPr>
             <a:cxnSpLocks/>
+            <a:endCxn id="25" idx="1"/>
           </p:cNvCxnSpPr>
           <p:nvPr/>
         </p:nvCxnSpPr>
         <p:spPr>
           <a:xfrm flipV="1">
-            <a:off x="7604014" y="2947472"/>
-            <a:ext cx="820801" cy="393076"/>
+            <a:off x="1322302" y="5443987"/>
+            <a:ext cx="969789" cy="500165"/>
           </a:xfrm>
           <a:prstGeom prst="line">
             <a:avLst/>
           </a:prstGeom>
+          <a:ln w="28575" cap="flat" cmpd="sng" algn="ctr">
+            <a:solidFill>
+              <a:schemeClr val="dk1"/>
+            </a:solidFill>
+            <a:prstDash val="solid"/>
+            <a:round/>
+            <a:headEnd type="none" w="med" len="med"/>
+            <a:tailEnd type="arrow" w="med" len="med"/>
+          </a:ln>
         </p:spPr>
         <p:style>
-          <a:lnRef idx="3">
-            <a:schemeClr val="dk1"/>
+          <a:lnRef idx="0">
+            <a:scrgbClr r="0" g="0" b="0"/>
           </a:lnRef>
           <a:fillRef idx="0">
-            <a:schemeClr val="dk1"/>
+            <a:scrgbClr r="0" g="0" b="0"/>
           </a:fillRef>
-          <a:effectRef idx="2">
-            <a:schemeClr val="dk1"/>
+          <a:effectRef idx="0">
+            <a:scrgbClr r="0" g="0" b="0"/>
           </a:effectRef>
           <a:fontRef idx="minor">
             <a:schemeClr val="tx1"/>
           </a:fontRef>
         </p:style>
       </p:cxnSp>
-      <p:cxnSp>
-        <p:nvCxnSpPr>
-          <p:cNvPr id="48" name="Conector recto 47">
-            <a:extLst>
-              <a:ext uri="{FF2B5EF4-FFF2-40B4-BE49-F238E27FC236}">
-                <a16:creationId xmlns:a16="http://schemas.microsoft.com/office/drawing/2014/main" id="{FC7DCF4E-627A-414C-9BA5-B97C8194DBC8}"/>
-              </a:ext>
-            </a:extLst>
-          </p:cNvPr>
-          <p:cNvCxnSpPr>
-            <a:cxnSpLocks/>
-          </p:cNvCxnSpPr>
-          <p:nvPr/>
-        </p:nvCxnSpPr>
-        <p:spPr>
-          <a:xfrm flipV="1">
-            <a:off x="9454726" y="2117898"/>
-            <a:ext cx="1126103" cy="646331"/>
-          </a:xfrm>
-          <a:prstGeom prst="line">
-            <a:avLst/>
-          </a:prstGeom>
-        </p:spPr>
-        <p:style>
-          <a:lnRef idx="3">
-            <a:schemeClr val="dk1"/>
-          </a:lnRef>
-          <a:fillRef idx="0">
-            <a:schemeClr val="dk1"/>
-          </a:fillRef>
-          <a:effectRef idx="2">
-            <a:schemeClr val="dk1"/>
-          </a:effectRef>
-          <a:fontRef idx="minor">
-            <a:schemeClr val="tx1"/>
-          </a:fontRef>
-        </p:style>
-      </p:cxnSp>
-      <p:cxnSp>
-        <p:nvCxnSpPr>
-          <p:cNvPr id="61" name="Conector recto 60">
-            <a:extLst>
-              <a:ext uri="{FF2B5EF4-FFF2-40B4-BE49-F238E27FC236}">
-                <a16:creationId xmlns:a16="http://schemas.microsoft.com/office/drawing/2014/main" id="{B06B391C-7752-4DEA-BA38-FAA8E9E2E396}"/>
-              </a:ext>
-            </a:extLst>
-          </p:cNvPr>
-          <p:cNvCxnSpPr>
-            <a:cxnSpLocks/>
-          </p:cNvCxnSpPr>
-          <p:nvPr/>
-        </p:nvCxnSpPr>
-        <p:spPr>
-          <a:xfrm flipV="1">
-            <a:off x="5491212" y="3477482"/>
-            <a:ext cx="1029910" cy="472731"/>
-          </a:xfrm>
-          <a:prstGeom prst="line">
-            <a:avLst/>
-          </a:prstGeom>
-        </p:spPr>
-        <p:style>
-          <a:lnRef idx="3">
-            <a:schemeClr val="dk1"/>
-          </a:lnRef>
-          <a:fillRef idx="0">
-            <a:schemeClr val="dk1"/>
-          </a:fillRef>
-          <a:effectRef idx="2">
-            <a:schemeClr val="dk1"/>
-          </a:effectRef>
-          <a:fontRef idx="minor">
-            <a:schemeClr val="tx1"/>
-          </a:fontRef>
-        </p:style>
-      </p:cxnSp>
-      <p:cxnSp>
-        <p:nvCxnSpPr>
-          <p:cNvPr id="63" name="Conector recto 62">
-            <a:extLst>
-              <a:ext uri="{FF2B5EF4-FFF2-40B4-BE49-F238E27FC236}">
-                <a16:creationId xmlns:a16="http://schemas.microsoft.com/office/drawing/2014/main" id="{3200BA5B-BF90-49CB-BAF7-A1B10FDF748C}"/>
-              </a:ext>
-            </a:extLst>
-          </p:cNvPr>
-          <p:cNvCxnSpPr>
-            <a:cxnSpLocks/>
-          </p:cNvCxnSpPr>
-          <p:nvPr/>
-        </p:nvCxnSpPr>
-        <p:spPr>
-          <a:xfrm flipV="1">
-            <a:off x="1106122" y="4560341"/>
-            <a:ext cx="992493" cy="334135"/>
-          </a:xfrm>
-          <a:prstGeom prst="line">
-            <a:avLst/>
-          </a:prstGeom>
-        </p:spPr>
-        <p:style>
-          <a:lnRef idx="3">
-            <a:schemeClr val="dk1"/>
-          </a:lnRef>
-          <a:fillRef idx="0">
-            <a:schemeClr val="dk1"/>
-          </a:fillRef>
-          <a:effectRef idx="2">
-            <a:schemeClr val="dk1"/>
-          </a:effectRef>
-          <a:fontRef idx="minor">
-            <a:schemeClr val="tx1"/>
-          </a:fontRef>
-        </p:style>
-      </p:cxnSp>
-      <p:cxnSp>
-        <p:nvCxnSpPr>
-          <p:cNvPr id="64" name="Conector recto 63">
-            <a:extLst>
-              <a:ext uri="{FF2B5EF4-FFF2-40B4-BE49-F238E27FC236}">
-                <a16:creationId xmlns:a16="http://schemas.microsoft.com/office/drawing/2014/main" id="{0D6B71D4-5F84-47A0-AB70-5EC6A565D183}"/>
-              </a:ext>
-            </a:extLst>
-          </p:cNvPr>
-          <p:cNvCxnSpPr>
-            <a:cxnSpLocks/>
-          </p:cNvCxnSpPr>
-          <p:nvPr/>
-        </p:nvCxnSpPr>
-        <p:spPr>
-          <a:xfrm flipV="1">
-            <a:off x="3694424" y="4041584"/>
-            <a:ext cx="877389" cy="367645"/>
-          </a:xfrm>
-          <a:prstGeom prst="line">
-            <a:avLst/>
-          </a:prstGeom>
-        </p:spPr>
-        <p:style>
-          <a:lnRef idx="3">
-            <a:schemeClr val="dk1"/>
-          </a:lnRef>
-          <a:fillRef idx="0">
-            <a:schemeClr val="dk1"/>
-          </a:fillRef>
-          <a:effectRef idx="2">
-            <a:schemeClr val="dk1"/>
-          </a:effectRef>
-          <a:fontRef idx="minor">
-            <a:schemeClr val="tx1"/>
-          </a:fontRef>
-        </p:style>
-      </p:cxnSp>
       <p:sp>
         <p:nvSpPr>
           <p:cNvPr id="39" name="CuadroTexto 38">
@@ -3581,7 +3792,7 @@
         </p:nvSpPr>
         <p:spPr>
           <a:xfrm>
-            <a:off x="1060327" y="5402273"/>
+            <a:off x="684111" y="6488668"/>
             <a:ext cx="1084082" cy="369332"/>
           </a:xfrm>
           <a:prstGeom prst="rect">
@@ -3596,7 +3807,7 @@
           <a:lstStyle/>
           <a:p>
             <a:r>
-              <a:rPr lang="es-CO" dirty="0"/>
+              <a:rPr lang="es-CO" b="1" dirty="0"/>
               <a:t>Datos</a:t>
             </a:r>
           </a:p>
@@ -3616,8 +3827,8 @@
         </p:nvSpPr>
         <p:spPr>
           <a:xfrm>
-            <a:off x="2796429" y="4935477"/>
-            <a:ext cx="1620185" cy="369332"/>
+            <a:off x="2912714" y="5860392"/>
+            <a:ext cx="1620185" cy="646331"/>
           </a:xfrm>
           <a:prstGeom prst="rect">
             <a:avLst/>
@@ -3631,8 +3842,14 @@
           <a:lstStyle/>
           <a:p>
             <a:r>
-              <a:rPr lang="es-CO" dirty="0"/>
-              <a:t>Datos Objetivo</a:t>
+              <a:rPr lang="es-CO" b="1" dirty="0"/>
+              <a:t>Datos </a:t>
+            </a:r>
+          </a:p>
+          <a:p>
+            <a:r>
+              <a:rPr lang="es-CO" b="1" dirty="0"/>
+              <a:t>objetivo</a:t>
             </a:r>
           </a:p>
         </p:txBody>
@@ -3651,7 +3868,7 @@
         </p:nvSpPr>
         <p:spPr>
           <a:xfrm>
-            <a:off x="4746480" y="4525143"/>
+            <a:off x="4986773" y="4881416"/>
             <a:ext cx="1578286" cy="646331"/>
           </a:xfrm>
           <a:prstGeom prst="rect">
@@ -3666,7 +3883,7 @@
           <a:lstStyle/>
           <a:p>
             <a:r>
-              <a:rPr lang="es-CO" dirty="0"/>
+              <a:rPr lang="es-CO" b="1" dirty="0"/>
               <a:t>Pre-Procesos de Datos</a:t>
             </a:r>
           </a:p>
@@ -3686,7 +3903,7 @@
         </p:nvSpPr>
         <p:spPr>
           <a:xfrm>
-            <a:off x="6710183" y="4030364"/>
+            <a:off x="7021693" y="3523845"/>
             <a:ext cx="1988392" cy="646331"/>
           </a:xfrm>
           <a:prstGeom prst="rect">
@@ -3701,7 +3918,7 @@
           <a:lstStyle/>
           <a:p>
             <a:r>
-              <a:rPr lang="es-CO" dirty="0"/>
+              <a:rPr lang="es-CO" b="1" dirty="0"/>
               <a:t>Transformación   </a:t>
             </a:r>
           </a:p>
@@ -3724,7 +3941,7 @@
         </p:nvSpPr>
         <p:spPr>
           <a:xfrm>
-            <a:off x="8756574" y="3340548"/>
+            <a:off x="9137877" y="2557545"/>
             <a:ext cx="1029910" cy="646331"/>
           </a:xfrm>
           <a:prstGeom prst="rect">
@@ -3739,8 +3956,12 @@
           <a:lstStyle/>
           <a:p>
             <a:r>
+              <a:rPr lang="es-CO" b="1" dirty="0"/>
+              <a:t>Patrón</a:t>
+            </a:r>
+            <a:r>
               <a:rPr lang="es-CO" dirty="0"/>
-              <a:t>Patrón </a:t>
+              <a:t> </a:t>
             </a:r>
           </a:p>
           <a:p>
@@ -3762,8 +3983,8 @@
         </p:nvSpPr>
         <p:spPr>
           <a:xfrm>
-            <a:off x="10551581" y="2694217"/>
-            <a:ext cx="1494905" cy="646331"/>
+            <a:off x="10659880" y="1392987"/>
+            <a:ext cx="1664854" cy="646331"/>
           </a:xfrm>
           <a:prstGeom prst="rect">
             <a:avLst/>
@@ -3777,7 +3998,7 @@
           <a:lstStyle/>
           <a:p>
             <a:r>
-              <a:rPr lang="es-CO" dirty="0"/>
+              <a:rPr lang="es-CO" b="1" dirty="0"/>
               <a:t>Conocimiento </a:t>
             </a:r>
           </a:p>
@@ -3800,7 +4021,7 @@
         </p:nvSpPr>
         <p:spPr>
           <a:xfrm>
-            <a:off x="738778" y="3351170"/>
+            <a:off x="725561" y="4755967"/>
             <a:ext cx="1566530" cy="386939"/>
           </a:xfrm>
           <a:prstGeom prst="roundRect">
@@ -3847,7 +4068,7 @@
         </p:nvSpPr>
         <p:spPr>
           <a:xfrm>
-            <a:off x="2499304" y="3042061"/>
+            <a:off x="2461451" y="3663195"/>
             <a:ext cx="1917311" cy="386939"/>
           </a:xfrm>
           <a:prstGeom prst="roundRect">
@@ -3894,7 +4115,7 @@
         </p:nvSpPr>
         <p:spPr>
           <a:xfrm>
-            <a:off x="4494640" y="2539964"/>
+            <a:off x="4489023" y="2619853"/>
             <a:ext cx="2026482" cy="386939"/>
           </a:xfrm>
           <a:prstGeom prst="roundRect">
@@ -3922,7 +4143,7 @@
             <a:pPr algn="ctr"/>
             <a:r>
               <a:rPr lang="es-CO" dirty="0"/>
-              <a:t>TRANSFORMACION</a:t>
+              <a:t>TRANSFORMACIÓN</a:t>
             </a:r>
           </a:p>
         </p:txBody>
@@ -3941,7 +4162,7 @@
         </p:nvSpPr>
         <p:spPr>
           <a:xfrm>
-            <a:off x="6680360" y="1934679"/>
+            <a:off x="7021693" y="1380400"/>
             <a:ext cx="1566530" cy="525340"/>
           </a:xfrm>
           <a:prstGeom prst="roundRect">
@@ -3988,7 +4209,7 @@
         </p:nvSpPr>
         <p:spPr>
           <a:xfrm>
-            <a:off x="8567797" y="1082654"/>
+            <a:off x="8645785" y="382250"/>
             <a:ext cx="2014095" cy="528910"/>
           </a:xfrm>
           <a:prstGeom prst="roundRect">
@@ -4016,7 +4237,7 @@
             <a:pPr algn="ctr"/>
             <a:r>
               <a:rPr lang="es-CO" dirty="0"/>
-              <a:t>INTERPRETACION/EVALUACION</a:t>
+              <a:t>INTERPRETACIÓN/EVALUACIÓN</a:t>
             </a:r>
           </a:p>
         </p:txBody>
@@ -4049,7 +4270,7 @@
         </p:blipFill>
         <p:spPr>
           <a:xfrm flipH="1">
-            <a:off x="8429607" y="2215130"/>
+            <a:off x="8674211" y="1630979"/>
             <a:ext cx="958174" cy="958174"/>
           </a:xfrm>
           <a:prstGeom prst="rect">
@@ -4059,10 +4280,10 @@
       </p:pic>
       <p:pic>
         <p:nvPicPr>
-          <p:cNvPr id="5" name="Imagen 4">
-            <a:extLst>
-              <a:ext uri="{FF2B5EF4-FFF2-40B4-BE49-F238E27FC236}">
-                <a16:creationId xmlns:a16="http://schemas.microsoft.com/office/drawing/2014/main" id="{C5ED4775-FC0C-44FD-90A9-013EE7F3ACD1}"/>
+          <p:cNvPr id="14" name="Imagen 13">
+            <a:extLst>
+              <a:ext uri="{FF2B5EF4-FFF2-40B4-BE49-F238E27FC236}">
+                <a16:creationId xmlns:a16="http://schemas.microsoft.com/office/drawing/2014/main" id="{DEC7B7D6-1AAC-460C-998D-C8E8F0C0AB6D}"/>
               </a:ext>
             </a:extLst>
           </p:cNvPr>
@@ -4085,115 +4306,7 @@
         </p:blipFill>
         <p:spPr>
           <a:xfrm>
-            <a:off x="6496079" y="2764229"/>
-            <a:ext cx="1158351" cy="1158351"/>
-          </a:xfrm>
-          <a:prstGeom prst="rect">
-            <a:avLst/>
-          </a:prstGeom>
-        </p:spPr>
-      </p:pic>
-      <p:pic>
-        <p:nvPicPr>
-          <p:cNvPr id="10" name="Imagen 9">
-            <a:extLst>
-              <a:ext uri="{FF2B5EF4-FFF2-40B4-BE49-F238E27FC236}">
-                <a16:creationId xmlns:a16="http://schemas.microsoft.com/office/drawing/2014/main" id="{C1DAC722-5BE6-4947-AD25-418F4F42AD25}"/>
-              </a:ext>
-            </a:extLst>
-          </p:cNvPr>
-          <p:cNvPicPr>
-            <a:picLocks noChangeAspect="1"/>
-          </p:cNvPicPr>
-          <p:nvPr/>
-        </p:nvPicPr>
-        <p:blipFill>
-          <a:blip r:embed="rId5">
-            <a:extLst>
-              <a:ext uri="{28A0092B-C50C-407E-A947-70E740481C1C}">
-                <a14:useLocalDpi xmlns:a14="http://schemas.microsoft.com/office/drawing/2010/main" val="0"/>
-              </a:ext>
-            </a:extLst>
-          </a:blip>
-          <a:stretch>
-            <a:fillRect/>
-          </a:stretch>
-        </p:blipFill>
-        <p:spPr>
-          <a:xfrm>
-            <a:off x="2305308" y="3713847"/>
-            <a:ext cx="1225738" cy="1225738"/>
-          </a:xfrm>
-          <a:prstGeom prst="rect">
-            <a:avLst/>
-          </a:prstGeom>
-        </p:spPr>
-      </p:pic>
-      <p:pic>
-        <p:nvPicPr>
-          <p:cNvPr id="12" name="Imagen 11">
-            <a:extLst>
-              <a:ext uri="{FF2B5EF4-FFF2-40B4-BE49-F238E27FC236}">
-                <a16:creationId xmlns:a16="http://schemas.microsoft.com/office/drawing/2014/main" id="{16480D3B-D74B-40FD-8D93-C1019AD0B304}"/>
-              </a:ext>
-            </a:extLst>
-          </p:cNvPr>
-          <p:cNvPicPr>
-            <a:picLocks noChangeAspect="1"/>
-          </p:cNvPicPr>
-          <p:nvPr/>
-        </p:nvPicPr>
-        <p:blipFill>
-          <a:blip r:embed="rId6">
-            <a:extLst>
-              <a:ext uri="{28A0092B-C50C-407E-A947-70E740481C1C}">
-                <a14:useLocalDpi xmlns:a14="http://schemas.microsoft.com/office/drawing/2010/main" val="0"/>
-              </a:ext>
-            </a:extLst>
-          </a:blip>
-          <a:stretch>
-            <a:fillRect/>
-          </a:stretch>
-        </p:blipFill>
-        <p:spPr>
-          <a:xfrm>
-            <a:off x="66675" y="4848308"/>
-            <a:ext cx="1191947" cy="1191947"/>
-          </a:xfrm>
-          <a:prstGeom prst="rect">
-            <a:avLst/>
-          </a:prstGeom>
-        </p:spPr>
-      </p:pic>
-      <p:pic>
-        <p:nvPicPr>
-          <p:cNvPr id="14" name="Imagen 13">
-            <a:extLst>
-              <a:ext uri="{FF2B5EF4-FFF2-40B4-BE49-F238E27FC236}">
-                <a16:creationId xmlns:a16="http://schemas.microsoft.com/office/drawing/2014/main" id="{DEC7B7D6-1AAC-460C-998D-C8E8F0C0AB6D}"/>
-              </a:ext>
-            </a:extLst>
-          </p:cNvPr>
-          <p:cNvPicPr>
-            <a:picLocks noChangeAspect="1"/>
-          </p:cNvPicPr>
-          <p:nvPr/>
-        </p:nvPicPr>
-        <p:blipFill>
-          <a:blip r:embed="rId7">
-            <a:extLst>
-              <a:ext uri="{28A0092B-C50C-407E-A947-70E740481C1C}">
-                <a14:useLocalDpi xmlns:a14="http://schemas.microsoft.com/office/drawing/2010/main" val="0"/>
-              </a:ext>
-            </a:extLst>
-          </a:blip>
-          <a:stretch>
-            <a:fillRect/>
-          </a:stretch>
-        </p:blipFill>
-        <p:spPr>
-          <a:xfrm>
-            <a:off x="4511306" y="3409637"/>
+            <a:off x="4478787" y="3722321"/>
             <a:ext cx="1081151" cy="1081151"/>
           </a:xfrm>
           <a:prstGeom prst="rect">
@@ -4203,10 +4316,118 @@
       </p:pic>
       <p:pic>
         <p:nvPicPr>
-          <p:cNvPr id="16" name="Imagen 15">
-            <a:extLst>
-              <a:ext uri="{FF2B5EF4-FFF2-40B4-BE49-F238E27FC236}">
-                <a16:creationId xmlns:a16="http://schemas.microsoft.com/office/drawing/2014/main" id="{E9CD6438-C37B-4E81-A846-4E2514B12A6D}"/>
+          <p:cNvPr id="21" name="Imagen 20">
+            <a:extLst>
+              <a:ext uri="{FF2B5EF4-FFF2-40B4-BE49-F238E27FC236}">
+                <a16:creationId xmlns:a16="http://schemas.microsoft.com/office/drawing/2014/main" id="{086CE1BF-EA8E-43C0-9982-3E65172D7421}"/>
+              </a:ext>
+            </a:extLst>
+          </p:cNvPr>
+          <p:cNvPicPr>
+            <a:picLocks noChangeAspect="1"/>
+          </p:cNvPicPr>
+          <p:nvPr/>
+        </p:nvPicPr>
+        <p:blipFill>
+          <a:blip r:embed="rId5">
+            <a:extLst>
+              <a:ext uri="{28A0092B-C50C-407E-A947-70E740481C1C}">
+                <a14:useLocalDpi xmlns:a14="http://schemas.microsoft.com/office/drawing/2010/main" val="0"/>
+              </a:ext>
+            </a:extLst>
+          </a:blip>
+          <a:stretch>
+            <a:fillRect/>
+          </a:stretch>
+        </p:blipFill>
+        <p:spPr>
+          <a:xfrm>
+            <a:off x="10800894" y="210893"/>
+            <a:ext cx="1182094" cy="1182094"/>
+          </a:xfrm>
+          <a:prstGeom prst="rect">
+            <a:avLst/>
+          </a:prstGeom>
+        </p:spPr>
+      </p:pic>
+      <p:pic>
+        <p:nvPicPr>
+          <p:cNvPr id="23" name="Imagen 22">
+            <a:extLst>
+              <a:ext uri="{FF2B5EF4-FFF2-40B4-BE49-F238E27FC236}">
+                <a16:creationId xmlns:a16="http://schemas.microsoft.com/office/drawing/2014/main" id="{44405AB3-02A9-46C2-8700-047CA9F2D872}"/>
+              </a:ext>
+            </a:extLst>
+          </p:cNvPr>
+          <p:cNvPicPr>
+            <a:picLocks noChangeAspect="1"/>
+          </p:cNvPicPr>
+          <p:nvPr/>
+        </p:nvPicPr>
+        <p:blipFill>
+          <a:blip r:embed="rId6">
+            <a:extLst>
+              <a:ext uri="{28A0092B-C50C-407E-A947-70E740481C1C}">
+                <a14:useLocalDpi xmlns:a14="http://schemas.microsoft.com/office/drawing/2010/main" val="0"/>
+              </a:ext>
+            </a:extLst>
+          </a:blip>
+          <a:stretch>
+            <a:fillRect/>
+          </a:stretch>
+        </p:blipFill>
+        <p:spPr>
+          <a:xfrm>
+            <a:off x="6565059" y="2541374"/>
+            <a:ext cx="1081151" cy="1081151"/>
+          </a:xfrm>
+          <a:prstGeom prst="rect">
+            <a:avLst/>
+          </a:prstGeom>
+        </p:spPr>
+      </p:pic>
+      <p:pic>
+        <p:nvPicPr>
+          <p:cNvPr id="25" name="Imagen 24">
+            <a:extLst>
+              <a:ext uri="{FF2B5EF4-FFF2-40B4-BE49-F238E27FC236}">
+                <a16:creationId xmlns:a16="http://schemas.microsoft.com/office/drawing/2014/main" id="{A81C0A01-52EC-48FF-8E88-0BD3E0608BF7}"/>
+              </a:ext>
+            </a:extLst>
+          </p:cNvPr>
+          <p:cNvPicPr>
+            <a:picLocks noChangeAspect="1"/>
+          </p:cNvPicPr>
+          <p:nvPr/>
+        </p:nvPicPr>
+        <p:blipFill>
+          <a:blip r:embed="rId7">
+            <a:extLst>
+              <a:ext uri="{28A0092B-C50C-407E-A947-70E740481C1C}">
+                <a14:useLocalDpi xmlns:a14="http://schemas.microsoft.com/office/drawing/2010/main" val="0"/>
+              </a:ext>
+            </a:extLst>
+          </a:blip>
+          <a:stretch>
+            <a:fillRect/>
+          </a:stretch>
+        </p:blipFill>
+        <p:spPr>
+          <a:xfrm>
+            <a:off x="2292091" y="4851914"/>
+            <a:ext cx="1184146" cy="1184146"/>
+          </a:xfrm>
+          <a:prstGeom prst="rect">
+            <a:avLst/>
+          </a:prstGeom>
+        </p:spPr>
+      </p:pic>
+      <p:pic>
+        <p:nvPicPr>
+          <p:cNvPr id="27" name="Imagen 26">
+            <a:extLst>
+              <a:ext uri="{FF2B5EF4-FFF2-40B4-BE49-F238E27FC236}">
+                <a16:creationId xmlns:a16="http://schemas.microsoft.com/office/drawing/2014/main" id="{42B6ABC0-B95D-4AD2-B661-8EF6E824F8BC}"/>
               </a:ext>
             </a:extLst>
           </p:cNvPr>
@@ -4228,15 +4449,203 @@
           </a:stretch>
         </p:blipFill>
         <p:spPr>
-          <a:xfrm flipH="1">
-            <a:off x="10663624" y="1405555"/>
-            <a:ext cx="1126103" cy="1126103"/>
+          <a:xfrm>
+            <a:off x="142070" y="5458412"/>
+            <a:ext cx="1084082" cy="1084082"/>
           </a:xfrm>
           <a:prstGeom prst="rect">
             <a:avLst/>
           </a:prstGeom>
         </p:spPr>
       </p:pic>
+      <p:cxnSp>
+        <p:nvCxnSpPr>
+          <p:cNvPr id="57" name="Conector recto 56">
+            <a:extLst>
+              <a:ext uri="{FF2B5EF4-FFF2-40B4-BE49-F238E27FC236}">
+                <a16:creationId xmlns:a16="http://schemas.microsoft.com/office/drawing/2014/main" id="{F61D310C-A07C-4804-81EC-EE9FD8491854}"/>
+              </a:ext>
+            </a:extLst>
+          </p:cNvPr>
+          <p:cNvCxnSpPr>
+            <a:cxnSpLocks/>
+          </p:cNvCxnSpPr>
+          <p:nvPr/>
+        </p:nvCxnSpPr>
+        <p:spPr>
+          <a:xfrm flipV="1">
+            <a:off x="3408973" y="4381251"/>
+            <a:ext cx="969789" cy="500165"/>
+          </a:xfrm>
+          <a:prstGeom prst="line">
+            <a:avLst/>
+          </a:prstGeom>
+          <a:ln w="28575" cap="flat" cmpd="sng" algn="ctr">
+            <a:solidFill>
+              <a:schemeClr val="dk1"/>
+            </a:solidFill>
+            <a:prstDash val="solid"/>
+            <a:round/>
+            <a:headEnd type="none" w="med" len="med"/>
+            <a:tailEnd type="arrow" w="med" len="med"/>
+          </a:ln>
+        </p:spPr>
+        <p:style>
+          <a:lnRef idx="0">
+            <a:scrgbClr r="0" g="0" b="0"/>
+          </a:lnRef>
+          <a:fillRef idx="0">
+            <a:scrgbClr r="0" g="0" b="0"/>
+          </a:fillRef>
+          <a:effectRef idx="0">
+            <a:scrgbClr r="0" g="0" b="0"/>
+          </a:effectRef>
+          <a:fontRef idx="minor">
+            <a:schemeClr val="tx1"/>
+          </a:fontRef>
+        </p:style>
+      </p:cxnSp>
+      <p:cxnSp>
+        <p:nvCxnSpPr>
+          <p:cNvPr id="58" name="Conector recto 57">
+            <a:extLst>
+              <a:ext uri="{FF2B5EF4-FFF2-40B4-BE49-F238E27FC236}">
+                <a16:creationId xmlns:a16="http://schemas.microsoft.com/office/drawing/2014/main" id="{D4F725C2-2A1C-4510-9715-5C976029686B}"/>
+              </a:ext>
+            </a:extLst>
+          </p:cNvPr>
+          <p:cNvCxnSpPr>
+            <a:cxnSpLocks/>
+          </p:cNvCxnSpPr>
+          <p:nvPr/>
+        </p:nvCxnSpPr>
+        <p:spPr>
+          <a:xfrm flipV="1">
+            <a:off x="5541110" y="3275885"/>
+            <a:ext cx="969789" cy="500165"/>
+          </a:xfrm>
+          <a:prstGeom prst="line">
+            <a:avLst/>
+          </a:prstGeom>
+          <a:ln w="28575" cap="flat" cmpd="sng" algn="ctr">
+            <a:solidFill>
+              <a:schemeClr val="dk1"/>
+            </a:solidFill>
+            <a:prstDash val="solid"/>
+            <a:round/>
+            <a:headEnd type="none" w="med" len="med"/>
+            <a:tailEnd type="arrow" w="med" len="med"/>
+          </a:ln>
+        </p:spPr>
+        <p:style>
+          <a:lnRef idx="0">
+            <a:scrgbClr r="0" g="0" b="0"/>
+          </a:lnRef>
+          <a:fillRef idx="0">
+            <a:scrgbClr r="0" g="0" b="0"/>
+          </a:fillRef>
+          <a:effectRef idx="0">
+            <a:scrgbClr r="0" g="0" b="0"/>
+          </a:effectRef>
+          <a:fontRef idx="minor">
+            <a:schemeClr val="tx1"/>
+          </a:fontRef>
+        </p:style>
+      </p:cxnSp>
+      <p:cxnSp>
+        <p:nvCxnSpPr>
+          <p:cNvPr id="59" name="Conector recto 58">
+            <a:extLst>
+              <a:ext uri="{FF2B5EF4-FFF2-40B4-BE49-F238E27FC236}">
+                <a16:creationId xmlns:a16="http://schemas.microsoft.com/office/drawing/2014/main" id="{06BEF3E5-2C06-4AAE-92E5-BF360A3DCF35}"/>
+              </a:ext>
+            </a:extLst>
+          </p:cNvPr>
+          <p:cNvCxnSpPr>
+            <a:cxnSpLocks/>
+          </p:cNvCxnSpPr>
+          <p:nvPr/>
+        </p:nvCxnSpPr>
+        <p:spPr>
+          <a:xfrm flipV="1">
+            <a:off x="7641941" y="2187660"/>
+            <a:ext cx="969789" cy="500165"/>
+          </a:xfrm>
+          <a:prstGeom prst="line">
+            <a:avLst/>
+          </a:prstGeom>
+          <a:ln w="28575" cap="flat" cmpd="sng" algn="ctr">
+            <a:solidFill>
+              <a:schemeClr val="dk1"/>
+            </a:solidFill>
+            <a:prstDash val="solid"/>
+            <a:round/>
+            <a:headEnd type="none" w="med" len="med"/>
+            <a:tailEnd type="arrow" w="med" len="med"/>
+          </a:ln>
+        </p:spPr>
+        <p:style>
+          <a:lnRef idx="0">
+            <a:scrgbClr r="0" g="0" b="0"/>
+          </a:lnRef>
+          <a:fillRef idx="0">
+            <a:scrgbClr r="0" g="0" b="0"/>
+          </a:fillRef>
+          <a:effectRef idx="0">
+            <a:scrgbClr r="0" g="0" b="0"/>
+          </a:effectRef>
+          <a:fontRef idx="minor">
+            <a:schemeClr val="tx1"/>
+          </a:fontRef>
+        </p:style>
+      </p:cxnSp>
+      <p:cxnSp>
+        <p:nvCxnSpPr>
+          <p:cNvPr id="60" name="Conector recto 59">
+            <a:extLst>
+              <a:ext uri="{FF2B5EF4-FFF2-40B4-BE49-F238E27FC236}">
+                <a16:creationId xmlns:a16="http://schemas.microsoft.com/office/drawing/2014/main" id="{43D19552-665B-48D8-A289-0A75ADFA1327}"/>
+              </a:ext>
+            </a:extLst>
+          </p:cNvPr>
+          <p:cNvCxnSpPr>
+            <a:cxnSpLocks/>
+          </p:cNvCxnSpPr>
+          <p:nvPr/>
+        </p:nvCxnSpPr>
+        <p:spPr>
+          <a:xfrm flipV="1">
+            <a:off x="9716084" y="1142905"/>
+            <a:ext cx="969789" cy="500165"/>
+          </a:xfrm>
+          <a:prstGeom prst="line">
+            <a:avLst/>
+          </a:prstGeom>
+          <a:ln w="28575" cap="flat" cmpd="sng" algn="ctr">
+            <a:solidFill>
+              <a:schemeClr val="dk1"/>
+            </a:solidFill>
+            <a:prstDash val="solid"/>
+            <a:round/>
+            <a:headEnd type="none" w="med" len="med"/>
+            <a:tailEnd type="arrow" w="med" len="med"/>
+          </a:ln>
+        </p:spPr>
+        <p:style>
+          <a:lnRef idx="0">
+            <a:scrgbClr r="0" g="0" b="0"/>
+          </a:lnRef>
+          <a:fillRef idx="0">
+            <a:scrgbClr r="0" g="0" b="0"/>
+          </a:fillRef>
+          <a:effectRef idx="0">
+            <a:scrgbClr r="0" g="0" b="0"/>
+          </a:effectRef>
+          <a:fontRef idx="minor">
+            <a:schemeClr val="tx1"/>
+          </a:fontRef>
+        </p:style>
+      </p:cxnSp>
     </p:spTree>
     <p:extLst>
       <p:ext uri="{BB962C8B-B14F-4D97-AF65-F5344CB8AC3E}">
@@ -4543,4 +4952,299 @@
     </a:ext>
   </a:extLst>
 </a:theme>
+</file>
+
+<file path=ppt/theme/theme2.xml><?xml version="1.0" encoding="utf-8"?>
+<a:theme xmlns:a="http://schemas.openxmlformats.org/drawingml/2006/main" name="Tema de Office">
+  <a:themeElements>
+    <a:clrScheme name="Office">
+      <a:dk1>
+        <a:sysClr val="windowText" lastClr="000000"/>
+      </a:dk1>
+      <a:lt1>
+        <a:sysClr val="window" lastClr="FFFFFF"/>
+      </a:lt1>
+      <a:dk2>
+        <a:srgbClr val="44546A"/>
+      </a:dk2>
+      <a:lt2>
+        <a:srgbClr val="E7E6E6"/>
+      </a:lt2>
+      <a:accent1>
+        <a:srgbClr val="4472C4"/>
+      </a:accent1>
+      <a:accent2>
+        <a:srgbClr val="ED7D31"/>
+      </a:accent2>
+      <a:accent3>
+        <a:srgbClr val="A5A5A5"/>
+      </a:accent3>
+      <a:accent4>
+        <a:srgbClr val="FFC000"/>
+      </a:accent4>
+      <a:accent5>
+        <a:srgbClr val="5B9BD5"/>
+      </a:accent5>
+      <a:accent6>
+        <a:srgbClr val="70AD47"/>
+      </a:accent6>
+      <a:hlink>
+        <a:srgbClr val="0563C1"/>
+      </a:hlink>
+      <a:folHlink>
+        <a:srgbClr val="954F72"/>
+      </a:folHlink>
+    </a:clrScheme>
+    <a:fontScheme name="Office">
+      <a:majorFont>
+        <a:latin typeface="Calibri Light" panose="020F0302020204030204"/>
+        <a:ea typeface=""/>
+        <a:cs typeface=""/>
+        <a:font script="Jpan" typeface="游ゴシック Light"/>
+        <a:font script="Hang" typeface="맑은 고딕"/>
+        <a:font script="Hans" typeface="等线 Light"/>
+        <a:font script="Hant" typeface="新細明體"/>
+        <a:font script="Arab" typeface="Times New Roman"/>
+        <a:font script="Hebr" typeface="Times New Roman"/>
+        <a:font script="Thai" typeface="Angsana New"/>
+        <a:font script="Ethi" typeface="Nyala"/>
+        <a:font script="Beng" typeface="Vrinda"/>
+        <a:font script="Gujr" typeface="Shruti"/>
+        <a:font script="Khmr" typeface="MoolBoran"/>
+        <a:font script="Knda" typeface="Tunga"/>
+        <a:font script="Guru" typeface="Raavi"/>
+        <a:font script="Cans" typeface="Euphemia"/>
+        <a:font script="Cher" typeface="Plantagenet Cherokee"/>
+        <a:font script="Yiii" typeface="Microsoft Yi Baiti"/>
+        <a:font script="Tibt" typeface="Microsoft Himalaya"/>
+        <a:font script="Thaa" typeface="MV Boli"/>
+        <a:font script="Deva" typeface="Mangal"/>
+        <a:font script="Telu" typeface="Gautami"/>
+        <a:font script="Taml" typeface="Latha"/>
+        <a:font script="Syrc" typeface="Estrangelo Edessa"/>
+        <a:font script="Orya" typeface="Kalinga"/>
+        <a:font script="Mlym" typeface="Kartika"/>
+        <a:font script="Laoo" typeface="DokChampa"/>
+        <a:font script="Sinh" typeface="Iskoola Pota"/>
+        <a:font script="Mong" typeface="Mongolian Baiti"/>
+        <a:font script="Viet" typeface="Times New Roman"/>
+        <a:font script="Uigh" typeface="Microsoft Uighur"/>
+        <a:font script="Geor" typeface="Sylfaen"/>
+        <a:font script="Armn" typeface="Arial"/>
+        <a:font script="Bugi" typeface="Leelawadee UI"/>
+        <a:font script="Bopo" typeface="Microsoft JhengHei"/>
+        <a:font script="Java" typeface="Javanese Text"/>
+        <a:font script="Lisu" typeface="Segoe UI"/>
+        <a:font script="Mymr" typeface="Myanmar Text"/>
+        <a:font script="Nkoo" typeface="Ebrima"/>
+        <a:font script="Olck" typeface="Nirmala UI"/>
+        <a:font script="Osma" typeface="Ebrima"/>
+        <a:font script="Phag" typeface="Phagspa"/>
+        <a:font script="Syrn" typeface="Estrangelo Edessa"/>
+        <a:font script="Syrj" typeface="Estrangelo Edessa"/>
+        <a:font script="Syre" typeface="Estrangelo Edessa"/>
+        <a:font script="Sora" typeface="Nirmala UI"/>
+        <a:font script="Tale" typeface="Microsoft Tai Le"/>
+        <a:font script="Talu" typeface="Microsoft New Tai Lue"/>
+        <a:font script="Tfng" typeface="Ebrima"/>
+      </a:majorFont>
+      <a:minorFont>
+        <a:latin typeface="Calibri" panose="020F0502020204030204"/>
+        <a:ea typeface=""/>
+        <a:cs typeface=""/>
+        <a:font script="Jpan" typeface="游ゴシック"/>
+        <a:font script="Hang" typeface="맑은 고딕"/>
+        <a:font script="Hans" typeface="等线"/>
+        <a:font script="Hant" typeface="新細明體"/>
+        <a:font script="Arab" typeface="Arial"/>
+        <a:font script="Hebr" typeface="Arial"/>
+        <a:font script="Thai" typeface="Cordia New"/>
+        <a:font script="Ethi" typeface="Nyala"/>
+        <a:font script="Beng" typeface="Vrinda"/>
+        <a:font script="Gujr" typeface="Shruti"/>
+        <a:font script="Khmr" typeface="DaunPenh"/>
+        <a:font script="Knda" typeface="Tunga"/>
+        <a:font script="Guru" typeface="Raavi"/>
+        <a:font script="Cans" typeface="Euphemia"/>
+        <a:font script="Cher" typeface="Plantagenet Cherokee"/>
+        <a:font script="Yiii" typeface="Microsoft Yi Baiti"/>
+        <a:font script="Tibt" typeface="Microsoft Himalaya"/>
+        <a:font script="Thaa" typeface="MV Boli"/>
+        <a:font script="Deva" typeface="Mangal"/>
+        <a:font script="Telu" typeface="Gautami"/>
+        <a:font script="Taml" typeface="Latha"/>
+        <a:font script="Syrc" typeface="Estrangelo Edessa"/>
+        <a:font script="Orya" typeface="Kalinga"/>
+        <a:font script="Mlym" typeface="Kartika"/>
+        <a:font script="Laoo" typeface="DokChampa"/>
+        <a:font script="Sinh" typeface="Iskoola Pota"/>
+        <a:font script="Mong" typeface="Mongolian Baiti"/>
+        <a:font script="Viet" typeface="Arial"/>
+        <a:font script="Uigh" typeface="Microsoft Uighur"/>
+        <a:font script="Geor" typeface="Sylfaen"/>
+        <a:font script="Armn" typeface="Arial"/>
+        <a:font script="Bugi" typeface="Leelawadee UI"/>
+        <a:font script="Bopo" typeface="Microsoft JhengHei"/>
+        <a:font script="Java" typeface="Javanese Text"/>
+        <a:font script="Lisu" typeface="Segoe UI"/>
+        <a:font script="Mymr" typeface="Myanmar Text"/>
+        <a:font script="Nkoo" typeface="Ebrima"/>
+        <a:font script="Olck" typeface="Nirmala UI"/>
+        <a:font script="Osma" typeface="Ebrima"/>
+        <a:font script="Phag" typeface="Phagspa"/>
+        <a:font script="Syrn" typeface="Estrangelo Edessa"/>
+        <a:font script="Syrj" typeface="Estrangelo Edessa"/>
+        <a:font script="Syre" typeface="Estrangelo Edessa"/>
+        <a:font script="Sora" typeface="Nirmala UI"/>
+        <a:font script="Tale" typeface="Microsoft Tai Le"/>
+        <a:font script="Talu" typeface="Microsoft New Tai Lue"/>
+        <a:font script="Tfng" typeface="Ebrima"/>
+      </a:minorFont>
+    </a:fontScheme>
+    <a:fmtScheme name="Office">
+      <a:fillStyleLst>
+        <a:solidFill>
+          <a:schemeClr val="phClr"/>
+        </a:solidFill>
+        <a:gradFill rotWithShape="1">
+          <a:gsLst>
+            <a:gs pos="0">
+              <a:schemeClr val="phClr">
+                <a:lumMod val="110000"/>
+                <a:satMod val="105000"/>
+                <a:tint val="67000"/>
+              </a:schemeClr>
+            </a:gs>
+            <a:gs pos="50000">
+              <a:schemeClr val="phClr">
+                <a:lumMod val="105000"/>
+                <a:satMod val="103000"/>
+                <a:tint val="73000"/>
+              </a:schemeClr>
+            </a:gs>
+            <a:gs pos="100000">
+              <a:schemeClr val="phClr">
+                <a:lumMod val="105000"/>
+                <a:satMod val="109000"/>
+                <a:tint val="81000"/>
+              </a:schemeClr>
+            </a:gs>
+          </a:gsLst>
+          <a:lin ang="5400000" scaled="0"/>
+        </a:gradFill>
+        <a:gradFill rotWithShape="1">
+          <a:gsLst>
+            <a:gs pos="0">
+              <a:schemeClr val="phClr">
+                <a:satMod val="103000"/>
+                <a:lumMod val="102000"/>
+                <a:tint val="94000"/>
+              </a:schemeClr>
+            </a:gs>
+            <a:gs pos="50000">
+              <a:schemeClr val="phClr">
+                <a:satMod val="110000"/>
+                <a:lumMod val="100000"/>
+                <a:shade val="100000"/>
+              </a:schemeClr>
+            </a:gs>
+            <a:gs pos="100000">
+              <a:schemeClr val="phClr">
+                <a:lumMod val="99000"/>
+                <a:satMod val="120000"/>
+                <a:shade val="78000"/>
+              </a:schemeClr>
+            </a:gs>
+          </a:gsLst>
+          <a:lin ang="5400000" scaled="0"/>
+        </a:gradFill>
+      </a:fillStyleLst>
+      <a:lnStyleLst>
+        <a:ln w="6350" cap="flat" cmpd="sng" algn="ctr">
+          <a:solidFill>
+            <a:schemeClr val="phClr"/>
+          </a:solidFill>
+          <a:prstDash val="solid"/>
+          <a:miter lim="800000"/>
+        </a:ln>
+        <a:ln w="12700" cap="flat" cmpd="sng" algn="ctr">
+          <a:solidFill>
+            <a:schemeClr val="phClr"/>
+          </a:solidFill>
+          <a:prstDash val="solid"/>
+          <a:miter lim="800000"/>
+        </a:ln>
+        <a:ln w="19050" cap="flat" cmpd="sng" algn="ctr">
+          <a:solidFill>
+            <a:schemeClr val="phClr"/>
+          </a:solidFill>
+          <a:prstDash val="solid"/>
+          <a:miter lim="800000"/>
+        </a:ln>
+      </a:lnStyleLst>
+      <a:effectStyleLst>
+        <a:effectStyle>
+          <a:effectLst/>
+        </a:effectStyle>
+        <a:effectStyle>
+          <a:effectLst/>
+        </a:effectStyle>
+        <a:effectStyle>
+          <a:effectLst>
+            <a:outerShdw blurRad="57150" dist="19050" dir="5400000" algn="ctr" rotWithShape="0">
+              <a:srgbClr val="000000">
+                <a:alpha val="63000"/>
+              </a:srgbClr>
+            </a:outerShdw>
+          </a:effectLst>
+        </a:effectStyle>
+      </a:effectStyleLst>
+      <a:bgFillStyleLst>
+        <a:solidFill>
+          <a:schemeClr val="phClr"/>
+        </a:solidFill>
+        <a:solidFill>
+          <a:schemeClr val="phClr">
+            <a:tint val="95000"/>
+            <a:satMod val="170000"/>
+          </a:schemeClr>
+        </a:solidFill>
+        <a:gradFill rotWithShape="1">
+          <a:gsLst>
+            <a:gs pos="0">
+              <a:schemeClr val="phClr">
+                <a:tint val="93000"/>
+                <a:satMod val="150000"/>
+                <a:shade val="98000"/>
+                <a:lumMod val="102000"/>
+              </a:schemeClr>
+            </a:gs>
+            <a:gs pos="50000">
+              <a:schemeClr val="phClr">
+                <a:tint val="98000"/>
+                <a:satMod val="130000"/>
+                <a:shade val="90000"/>
+                <a:lumMod val="103000"/>
+              </a:schemeClr>
+            </a:gs>
+            <a:gs pos="100000">
+              <a:schemeClr val="phClr">
+                <a:shade val="63000"/>
+                <a:satMod val="120000"/>
+              </a:schemeClr>
+            </a:gs>
+          </a:gsLst>
+          <a:lin ang="5400000" scaled="0"/>
+        </a:gradFill>
+      </a:bgFillStyleLst>
+    </a:fmtScheme>
+  </a:themeElements>
+  <a:objectDefaults/>
+  <a:extraClrSchemeLst/>
+  <a:extLst>
+    <a:ext uri="{05A4C25C-085E-4340-85A3-A5531E510DB2}">
+      <thm15:themeFamily xmlns:thm15="http://schemas.microsoft.com/office/thememl/2012/main" name="Office Theme" id="{62F939B6-93AF-4DB8-9C6B-D6C7DFDC589F}" vid="{4A3C46E8-61CC-4603-A589-7422A47A8E4A}"/>
+    </a:ext>
+  </a:extLst>
+</a:theme>
 </file>